--- a/asyncapi-2022/img/event-architecture.pptx
+++ b/asyncapi-2022/img/event-architecture.pptx
@@ -8,7 +8,8 @@
     <p:sldId id="257" r:id="rId2"/>
     <p:sldId id="259" r:id="rId3"/>
     <p:sldId id="258" r:id="rId4"/>
-    <p:sldId id="260" r:id="rId5"/>
+    <p:sldId id="261" r:id="rId5"/>
+    <p:sldId id="260" r:id="rId6"/>
   </p:sldIdLst>
   <p:sldSz cx="12192000" cy="6858000"/>
   <p:notesSz cx="6858000" cy="9144000"/>
@@ -107,6 +108,11 @@
       </a:defRPr>
     </a:lvl9pPr>
   </p:defaultTextStyle>
+  <p:extLst>
+    <p:ext uri="{EFAFB233-063F-42B5-8137-9DF3F51BA10A}">
+      <p15:sldGuideLst xmlns:p15="http://schemas.microsoft.com/office/powerpoint/2012/main"/>
+    </p:ext>
+  </p:extLst>
 </p:presentation>
 </file>
 
@@ -257,7 +263,7 @@
           <a:p>
             <a:fld id="{A40E9B58-F650-D246-BCD4-7D3663B071C5}" type="datetimeFigureOut">
               <a:rPr lang="en-US" smtClean="0"/>
-              <a:t>11/2/22</a:t>
+              <a:t>11/3/22</a:t>
             </a:fld>
             <a:endParaRPr lang="en-US"/>
           </a:p>
@@ -455,7 +461,7 @@
           <a:p>
             <a:fld id="{A40E9B58-F650-D246-BCD4-7D3663B071C5}" type="datetimeFigureOut">
               <a:rPr lang="en-US" smtClean="0"/>
-              <a:t>11/2/22</a:t>
+              <a:t>11/3/22</a:t>
             </a:fld>
             <a:endParaRPr lang="en-US"/>
           </a:p>
@@ -663,7 +669,7 @@
           <a:p>
             <a:fld id="{A40E9B58-F650-D246-BCD4-7D3663B071C5}" type="datetimeFigureOut">
               <a:rPr lang="en-US" smtClean="0"/>
-              <a:t>11/2/22</a:t>
+              <a:t>11/3/22</a:t>
             </a:fld>
             <a:endParaRPr lang="en-US"/>
           </a:p>
@@ -861,7 +867,7 @@
           <a:p>
             <a:fld id="{A40E9B58-F650-D246-BCD4-7D3663B071C5}" type="datetimeFigureOut">
               <a:rPr lang="en-US" smtClean="0"/>
-              <a:t>11/2/22</a:t>
+              <a:t>11/3/22</a:t>
             </a:fld>
             <a:endParaRPr lang="en-US"/>
           </a:p>
@@ -1136,7 +1142,7 @@
           <a:p>
             <a:fld id="{A40E9B58-F650-D246-BCD4-7D3663B071C5}" type="datetimeFigureOut">
               <a:rPr lang="en-US" smtClean="0"/>
-              <a:t>11/2/22</a:t>
+              <a:t>11/3/22</a:t>
             </a:fld>
             <a:endParaRPr lang="en-US"/>
           </a:p>
@@ -1401,7 +1407,7 @@
           <a:p>
             <a:fld id="{A40E9B58-F650-D246-BCD4-7D3663B071C5}" type="datetimeFigureOut">
               <a:rPr lang="en-US" smtClean="0"/>
-              <a:t>11/2/22</a:t>
+              <a:t>11/3/22</a:t>
             </a:fld>
             <a:endParaRPr lang="en-US"/>
           </a:p>
@@ -1813,7 +1819,7 @@
           <a:p>
             <a:fld id="{A40E9B58-F650-D246-BCD4-7D3663B071C5}" type="datetimeFigureOut">
               <a:rPr lang="en-US" smtClean="0"/>
-              <a:t>11/2/22</a:t>
+              <a:t>11/3/22</a:t>
             </a:fld>
             <a:endParaRPr lang="en-US"/>
           </a:p>
@@ -1954,7 +1960,7 @@
           <a:p>
             <a:fld id="{A40E9B58-F650-D246-BCD4-7D3663B071C5}" type="datetimeFigureOut">
               <a:rPr lang="en-US" smtClean="0"/>
-              <a:t>11/2/22</a:t>
+              <a:t>11/3/22</a:t>
             </a:fld>
             <a:endParaRPr lang="en-US"/>
           </a:p>
@@ -2067,7 +2073,7 @@
           <a:p>
             <a:fld id="{A40E9B58-F650-D246-BCD4-7D3663B071C5}" type="datetimeFigureOut">
               <a:rPr lang="en-US" smtClean="0"/>
-              <a:t>11/2/22</a:t>
+              <a:t>11/3/22</a:t>
             </a:fld>
             <a:endParaRPr lang="en-US"/>
           </a:p>
@@ -2378,7 +2384,7 @@
           <a:p>
             <a:fld id="{A40E9B58-F650-D246-BCD4-7D3663B071C5}" type="datetimeFigureOut">
               <a:rPr lang="en-US" smtClean="0"/>
-              <a:t>11/2/22</a:t>
+              <a:t>11/3/22</a:t>
             </a:fld>
             <a:endParaRPr lang="en-US"/>
           </a:p>
@@ -2666,7 +2672,7 @@
           <a:p>
             <a:fld id="{A40E9B58-F650-D246-BCD4-7D3663B071C5}" type="datetimeFigureOut">
               <a:rPr lang="en-US" smtClean="0"/>
-              <a:t>11/2/22</a:t>
+              <a:t>11/3/22</a:t>
             </a:fld>
             <a:endParaRPr lang="en-US"/>
           </a:p>
@@ -2907,7 +2913,7 @@
           <a:p>
             <a:fld id="{A40E9B58-F650-D246-BCD4-7D3663B071C5}" type="datetimeFigureOut">
               <a:rPr lang="en-US" smtClean="0"/>
-              <a:t>11/2/22</a:t>
+              <a:t>11/3/22</a:t>
             </a:fld>
             <a:endParaRPr lang="en-US"/>
           </a:p>
@@ -4500,6 +4506,729 @@
             <a:pPr algn="ctr"/>
             <a:r>
               <a:rPr lang="en-US" sz="3200" dirty="0"/>
+              <a:t>Event Source</a:t>
+            </a:r>
+          </a:p>
+        </p:txBody>
+      </p:sp>
+      <p:sp>
+        <p:nvSpPr>
+          <p:cNvPr id="5" name="Rectangle 4">
+            <a:extLst>
+              <a:ext uri="{FF2B5EF4-FFF2-40B4-BE49-F238E27FC236}">
+                <a16:creationId xmlns:a16="http://schemas.microsoft.com/office/drawing/2014/main" id="{82480F99-0908-DD23-FD17-40664DBEC865}"/>
+              </a:ext>
+            </a:extLst>
+          </p:cNvPr>
+          <p:cNvSpPr/>
+          <p:nvPr/>
+        </p:nvSpPr>
+        <p:spPr>
+          <a:xfrm>
+            <a:off x="4361790" y="773824"/>
+            <a:ext cx="3468415" cy="798786"/>
+          </a:xfrm>
+          <a:prstGeom prst="rect">
+            <a:avLst/>
+          </a:prstGeom>
+          <a:ln w="38100"/>
+        </p:spPr>
+        <p:style>
+          <a:lnRef idx="2">
+            <a:schemeClr val="accent1">
+              <a:shade val="50000"/>
+            </a:schemeClr>
+          </a:lnRef>
+          <a:fillRef idx="1">
+            <a:schemeClr val="accent1"/>
+          </a:fillRef>
+          <a:effectRef idx="0">
+            <a:schemeClr val="accent1"/>
+          </a:effectRef>
+          <a:fontRef idx="minor">
+            <a:schemeClr val="lt1"/>
+          </a:fontRef>
+        </p:style>
+        <p:txBody>
+          <a:bodyPr rtlCol="0" anchor="ctr"/>
+          <a:lstStyle/>
+          <a:p>
+            <a:pPr algn="ctr"/>
+            <a:r>
+              <a:rPr lang="en-US" sz="3200" dirty="0"/>
+              <a:t>Event Client</a:t>
+            </a:r>
+          </a:p>
+        </p:txBody>
+      </p:sp>
+      <p:sp>
+        <p:nvSpPr>
+          <p:cNvPr id="7" name="Right Arrow 6">
+            <a:extLst>
+              <a:ext uri="{FF2B5EF4-FFF2-40B4-BE49-F238E27FC236}">
+                <a16:creationId xmlns:a16="http://schemas.microsoft.com/office/drawing/2014/main" id="{04585494-2AE7-82AB-579F-29DCFF7AFA57}"/>
+              </a:ext>
+            </a:extLst>
+          </p:cNvPr>
+          <p:cNvSpPr/>
+          <p:nvPr/>
+        </p:nvSpPr>
+        <p:spPr>
+          <a:xfrm rot="16200000">
+            <a:off x="5615149" y="4324020"/>
+            <a:ext cx="961697" cy="609600"/>
+          </a:xfrm>
+          <a:prstGeom prst="rightArrow">
+            <a:avLst/>
+          </a:prstGeom>
+        </p:spPr>
+        <p:style>
+          <a:lnRef idx="2">
+            <a:schemeClr val="accent1">
+              <a:shade val="50000"/>
+            </a:schemeClr>
+          </a:lnRef>
+          <a:fillRef idx="1">
+            <a:schemeClr val="accent1"/>
+          </a:fillRef>
+          <a:effectRef idx="0">
+            <a:schemeClr val="accent1"/>
+          </a:effectRef>
+          <a:fontRef idx="minor">
+            <a:schemeClr val="lt1"/>
+          </a:fontRef>
+        </p:style>
+        <p:txBody>
+          <a:bodyPr rtlCol="0" anchor="ctr"/>
+          <a:lstStyle/>
+          <a:p>
+            <a:pPr algn="ctr"/>
+            <a:r>
+              <a:rPr lang="en-US" dirty="0"/>
+              <a:t>API</a:t>
+            </a:r>
+          </a:p>
+        </p:txBody>
+      </p:sp>
+      <p:sp>
+        <p:nvSpPr>
+          <p:cNvPr id="2" name="Rectangle 1">
+            <a:extLst>
+              <a:ext uri="{FF2B5EF4-FFF2-40B4-BE49-F238E27FC236}">
+                <a16:creationId xmlns:a16="http://schemas.microsoft.com/office/drawing/2014/main" id="{B12A738A-A05B-3BFB-9B6D-BC9358ECE86E}"/>
+              </a:ext>
+            </a:extLst>
+          </p:cNvPr>
+          <p:cNvSpPr/>
+          <p:nvPr/>
+        </p:nvSpPr>
+        <p:spPr>
+          <a:xfrm>
+            <a:off x="4361790" y="3077560"/>
+            <a:ext cx="3468415" cy="798786"/>
+          </a:xfrm>
+          <a:prstGeom prst="rect">
+            <a:avLst/>
+          </a:prstGeom>
+          <a:ln w="38100"/>
+        </p:spPr>
+        <p:style>
+          <a:lnRef idx="2">
+            <a:schemeClr val="accent1">
+              <a:shade val="50000"/>
+            </a:schemeClr>
+          </a:lnRef>
+          <a:fillRef idx="1">
+            <a:schemeClr val="accent1"/>
+          </a:fillRef>
+          <a:effectRef idx="0">
+            <a:schemeClr val="accent1"/>
+          </a:effectRef>
+          <a:fontRef idx="minor">
+            <a:schemeClr val="lt1"/>
+          </a:fontRef>
+        </p:style>
+        <p:txBody>
+          <a:bodyPr rtlCol="0" anchor="ctr"/>
+          <a:lstStyle/>
+          <a:p>
+            <a:pPr algn="ctr"/>
+            <a:r>
+              <a:rPr lang="en-US" sz="3200" dirty="0"/>
+              <a:t>Event Bus/Broker</a:t>
+            </a:r>
+          </a:p>
+        </p:txBody>
+      </p:sp>
+      <p:sp>
+        <p:nvSpPr>
+          <p:cNvPr id="3" name="Right Arrow 2">
+            <a:extLst>
+              <a:ext uri="{FF2B5EF4-FFF2-40B4-BE49-F238E27FC236}">
+                <a16:creationId xmlns:a16="http://schemas.microsoft.com/office/drawing/2014/main" id="{FE9A3455-6C98-63C1-593D-37FDF651C026}"/>
+              </a:ext>
+            </a:extLst>
+          </p:cNvPr>
+          <p:cNvSpPr/>
+          <p:nvPr/>
+        </p:nvSpPr>
+        <p:spPr>
+          <a:xfrm rot="16200000">
+            <a:off x="5615150" y="2020283"/>
+            <a:ext cx="961697" cy="609600"/>
+          </a:xfrm>
+          <a:prstGeom prst="rightArrow">
+            <a:avLst/>
+          </a:prstGeom>
+        </p:spPr>
+        <p:style>
+          <a:lnRef idx="2">
+            <a:schemeClr val="accent1">
+              <a:shade val="50000"/>
+            </a:schemeClr>
+          </a:lnRef>
+          <a:fillRef idx="1">
+            <a:schemeClr val="accent1"/>
+          </a:fillRef>
+          <a:effectRef idx="0">
+            <a:schemeClr val="accent1"/>
+          </a:effectRef>
+          <a:fontRef idx="minor">
+            <a:schemeClr val="lt1"/>
+          </a:fontRef>
+        </p:style>
+        <p:txBody>
+          <a:bodyPr rtlCol="0" anchor="ctr"/>
+          <a:lstStyle/>
+          <a:p>
+            <a:pPr algn="ctr"/>
+            <a:r>
+              <a:rPr lang="en-US" dirty="0"/>
+              <a:t>API</a:t>
+            </a:r>
+          </a:p>
+        </p:txBody>
+      </p:sp>
+      <p:sp>
+        <p:nvSpPr>
+          <p:cNvPr id="6" name="Rectangle 5">
+            <a:extLst>
+              <a:ext uri="{FF2B5EF4-FFF2-40B4-BE49-F238E27FC236}">
+                <a16:creationId xmlns:a16="http://schemas.microsoft.com/office/drawing/2014/main" id="{9B31E3E0-17AE-B7FA-BE6D-569EA9BED02F}"/>
+              </a:ext>
+            </a:extLst>
+          </p:cNvPr>
+          <p:cNvSpPr/>
+          <p:nvPr/>
+        </p:nvSpPr>
+        <p:spPr>
+          <a:xfrm>
+            <a:off x="8287405" y="5381296"/>
+            <a:ext cx="3468414" cy="798786"/>
+          </a:xfrm>
+          <a:prstGeom prst="rect">
+            <a:avLst/>
+          </a:prstGeom>
+          <a:ln w="38100"/>
+        </p:spPr>
+        <p:style>
+          <a:lnRef idx="2">
+            <a:schemeClr val="accent1">
+              <a:shade val="50000"/>
+            </a:schemeClr>
+          </a:lnRef>
+          <a:fillRef idx="1">
+            <a:schemeClr val="accent1"/>
+          </a:fillRef>
+          <a:effectRef idx="0">
+            <a:schemeClr val="accent1"/>
+          </a:effectRef>
+          <a:fontRef idx="minor">
+            <a:schemeClr val="lt1"/>
+          </a:fontRef>
+        </p:style>
+        <p:txBody>
+          <a:bodyPr rtlCol="0" anchor="ctr"/>
+          <a:lstStyle/>
+          <a:p>
+            <a:pPr algn="ctr"/>
+            <a:r>
+              <a:rPr lang="en-US" sz="3200" dirty="0"/>
+              <a:t>Event Source</a:t>
+            </a:r>
+          </a:p>
+        </p:txBody>
+      </p:sp>
+      <p:sp>
+        <p:nvSpPr>
+          <p:cNvPr id="8" name="Rectangle 7">
+            <a:extLst>
+              <a:ext uri="{FF2B5EF4-FFF2-40B4-BE49-F238E27FC236}">
+                <a16:creationId xmlns:a16="http://schemas.microsoft.com/office/drawing/2014/main" id="{1478F883-7E53-9511-73CD-BCB919A1C5C7}"/>
+              </a:ext>
+            </a:extLst>
+          </p:cNvPr>
+          <p:cNvSpPr/>
+          <p:nvPr/>
+        </p:nvSpPr>
+        <p:spPr>
+          <a:xfrm>
+            <a:off x="436177" y="5381296"/>
+            <a:ext cx="3468414" cy="798786"/>
+          </a:xfrm>
+          <a:prstGeom prst="rect">
+            <a:avLst/>
+          </a:prstGeom>
+          <a:ln w="38100"/>
+        </p:spPr>
+        <p:style>
+          <a:lnRef idx="2">
+            <a:schemeClr val="accent1">
+              <a:shade val="50000"/>
+            </a:schemeClr>
+          </a:lnRef>
+          <a:fillRef idx="1">
+            <a:schemeClr val="accent1"/>
+          </a:fillRef>
+          <a:effectRef idx="0">
+            <a:schemeClr val="accent1"/>
+          </a:effectRef>
+          <a:fontRef idx="minor">
+            <a:schemeClr val="lt1"/>
+          </a:fontRef>
+        </p:style>
+        <p:txBody>
+          <a:bodyPr rtlCol="0" anchor="ctr"/>
+          <a:lstStyle/>
+          <a:p>
+            <a:pPr algn="ctr"/>
+            <a:r>
+              <a:rPr lang="en-US" sz="3200" dirty="0"/>
+              <a:t>Event Source</a:t>
+            </a:r>
+          </a:p>
+        </p:txBody>
+      </p:sp>
+      <p:sp>
+        <p:nvSpPr>
+          <p:cNvPr id="9" name="Rectangle 8">
+            <a:extLst>
+              <a:ext uri="{FF2B5EF4-FFF2-40B4-BE49-F238E27FC236}">
+                <a16:creationId xmlns:a16="http://schemas.microsoft.com/office/drawing/2014/main" id="{55E117C3-78ED-0D8A-5BD7-A347705BFCDF}"/>
+              </a:ext>
+            </a:extLst>
+          </p:cNvPr>
+          <p:cNvSpPr/>
+          <p:nvPr/>
+        </p:nvSpPr>
+        <p:spPr>
+          <a:xfrm>
+            <a:off x="8287405" y="773824"/>
+            <a:ext cx="3468415" cy="798786"/>
+          </a:xfrm>
+          <a:prstGeom prst="rect">
+            <a:avLst/>
+          </a:prstGeom>
+          <a:ln w="38100"/>
+        </p:spPr>
+        <p:style>
+          <a:lnRef idx="2">
+            <a:schemeClr val="accent1">
+              <a:shade val="50000"/>
+            </a:schemeClr>
+          </a:lnRef>
+          <a:fillRef idx="1">
+            <a:schemeClr val="accent1"/>
+          </a:fillRef>
+          <a:effectRef idx="0">
+            <a:schemeClr val="accent1"/>
+          </a:effectRef>
+          <a:fontRef idx="minor">
+            <a:schemeClr val="lt1"/>
+          </a:fontRef>
+        </p:style>
+        <p:txBody>
+          <a:bodyPr rtlCol="0" anchor="ctr"/>
+          <a:lstStyle/>
+          <a:p>
+            <a:pPr algn="ctr"/>
+            <a:r>
+              <a:rPr lang="en-US" sz="3200" dirty="0"/>
+              <a:t>Event Client</a:t>
+            </a:r>
+          </a:p>
+        </p:txBody>
+      </p:sp>
+      <p:sp>
+        <p:nvSpPr>
+          <p:cNvPr id="10" name="Rectangle 9">
+            <a:extLst>
+              <a:ext uri="{FF2B5EF4-FFF2-40B4-BE49-F238E27FC236}">
+                <a16:creationId xmlns:a16="http://schemas.microsoft.com/office/drawing/2014/main" id="{70321958-36FD-A626-C19F-60E7C7595E0D}"/>
+              </a:ext>
+            </a:extLst>
+          </p:cNvPr>
+          <p:cNvSpPr/>
+          <p:nvPr/>
+        </p:nvSpPr>
+        <p:spPr>
+          <a:xfrm>
+            <a:off x="436177" y="773824"/>
+            <a:ext cx="3468415" cy="798786"/>
+          </a:xfrm>
+          <a:prstGeom prst="rect">
+            <a:avLst/>
+          </a:prstGeom>
+          <a:ln w="38100"/>
+        </p:spPr>
+        <p:style>
+          <a:lnRef idx="2">
+            <a:schemeClr val="accent1">
+              <a:shade val="50000"/>
+            </a:schemeClr>
+          </a:lnRef>
+          <a:fillRef idx="1">
+            <a:schemeClr val="accent1"/>
+          </a:fillRef>
+          <a:effectRef idx="0">
+            <a:schemeClr val="accent1"/>
+          </a:effectRef>
+          <a:fontRef idx="minor">
+            <a:schemeClr val="lt1"/>
+          </a:fontRef>
+        </p:style>
+        <p:txBody>
+          <a:bodyPr rtlCol="0" anchor="ctr"/>
+          <a:lstStyle/>
+          <a:p>
+            <a:pPr algn="ctr"/>
+            <a:r>
+              <a:rPr lang="en-US" sz="3200" dirty="0"/>
+              <a:t>Event Client</a:t>
+            </a:r>
+          </a:p>
+        </p:txBody>
+      </p:sp>
+      <p:sp>
+        <p:nvSpPr>
+          <p:cNvPr id="11" name="Right Arrow 10">
+            <a:extLst>
+              <a:ext uri="{FF2B5EF4-FFF2-40B4-BE49-F238E27FC236}">
+                <a16:creationId xmlns:a16="http://schemas.microsoft.com/office/drawing/2014/main" id="{A3F35CFC-74E6-BF08-EEAA-A8001C194CE8}"/>
+              </a:ext>
+            </a:extLst>
+          </p:cNvPr>
+          <p:cNvSpPr/>
+          <p:nvPr/>
+        </p:nvSpPr>
+        <p:spPr>
+          <a:xfrm rot="18270033">
+            <a:off x="7872908" y="2020283"/>
+            <a:ext cx="961697" cy="609600"/>
+          </a:xfrm>
+          <a:prstGeom prst="rightArrow">
+            <a:avLst/>
+          </a:prstGeom>
+        </p:spPr>
+        <p:style>
+          <a:lnRef idx="2">
+            <a:schemeClr val="accent1">
+              <a:shade val="50000"/>
+            </a:schemeClr>
+          </a:lnRef>
+          <a:fillRef idx="1">
+            <a:schemeClr val="accent1"/>
+          </a:fillRef>
+          <a:effectRef idx="0">
+            <a:schemeClr val="accent1"/>
+          </a:effectRef>
+          <a:fontRef idx="minor">
+            <a:schemeClr val="lt1"/>
+          </a:fontRef>
+        </p:style>
+        <p:txBody>
+          <a:bodyPr rtlCol="0" anchor="ctr"/>
+          <a:lstStyle/>
+          <a:p>
+            <a:pPr algn="ctr"/>
+            <a:r>
+              <a:rPr lang="en-US" dirty="0"/>
+              <a:t>API</a:t>
+            </a:r>
+          </a:p>
+        </p:txBody>
+      </p:sp>
+      <p:sp>
+        <p:nvSpPr>
+          <p:cNvPr id="12" name="Right Arrow 11">
+            <a:extLst>
+              <a:ext uri="{FF2B5EF4-FFF2-40B4-BE49-F238E27FC236}">
+                <a16:creationId xmlns:a16="http://schemas.microsoft.com/office/drawing/2014/main" id="{D9CF1EB3-0DFE-236F-D686-65E1953EE29F}"/>
+              </a:ext>
+            </a:extLst>
+          </p:cNvPr>
+          <p:cNvSpPr/>
+          <p:nvPr/>
+        </p:nvSpPr>
+        <p:spPr>
+          <a:xfrm rot="18270033">
+            <a:off x="3357390" y="4324019"/>
+            <a:ext cx="961697" cy="609600"/>
+          </a:xfrm>
+          <a:prstGeom prst="rightArrow">
+            <a:avLst/>
+          </a:prstGeom>
+        </p:spPr>
+        <p:style>
+          <a:lnRef idx="2">
+            <a:schemeClr val="accent1">
+              <a:shade val="50000"/>
+            </a:schemeClr>
+          </a:lnRef>
+          <a:fillRef idx="1">
+            <a:schemeClr val="accent1"/>
+          </a:fillRef>
+          <a:effectRef idx="0">
+            <a:schemeClr val="accent1"/>
+          </a:effectRef>
+          <a:fontRef idx="minor">
+            <a:schemeClr val="lt1"/>
+          </a:fontRef>
+        </p:style>
+        <p:txBody>
+          <a:bodyPr rtlCol="0" anchor="ctr"/>
+          <a:lstStyle/>
+          <a:p>
+            <a:pPr algn="ctr"/>
+            <a:r>
+              <a:rPr lang="en-US" dirty="0"/>
+              <a:t>API</a:t>
+            </a:r>
+          </a:p>
+        </p:txBody>
+      </p:sp>
+      <p:sp>
+        <p:nvSpPr>
+          <p:cNvPr id="13" name="Right Arrow 12">
+            <a:extLst>
+              <a:ext uri="{FF2B5EF4-FFF2-40B4-BE49-F238E27FC236}">
+                <a16:creationId xmlns:a16="http://schemas.microsoft.com/office/drawing/2014/main" id="{C0F7D784-40CF-B9D9-6D79-7B77BF1A690A}"/>
+              </a:ext>
+            </a:extLst>
+          </p:cNvPr>
+          <p:cNvSpPr/>
+          <p:nvPr/>
+        </p:nvSpPr>
+        <p:spPr>
+          <a:xfrm rot="3329967" flipH="1">
+            <a:off x="3423742" y="2020282"/>
+            <a:ext cx="961697" cy="609600"/>
+          </a:xfrm>
+          <a:prstGeom prst="rightArrow">
+            <a:avLst/>
+          </a:prstGeom>
+        </p:spPr>
+        <p:style>
+          <a:lnRef idx="2">
+            <a:schemeClr val="accent1">
+              <a:shade val="50000"/>
+            </a:schemeClr>
+          </a:lnRef>
+          <a:fillRef idx="1">
+            <a:schemeClr val="accent1"/>
+          </a:fillRef>
+          <a:effectRef idx="0">
+            <a:schemeClr val="accent1"/>
+          </a:effectRef>
+          <a:fontRef idx="minor">
+            <a:schemeClr val="lt1"/>
+          </a:fontRef>
+        </p:style>
+        <p:txBody>
+          <a:bodyPr rtlCol="0" anchor="ctr"/>
+          <a:lstStyle/>
+          <a:p>
+            <a:pPr algn="ctr"/>
+            <a:r>
+              <a:rPr lang="en-US" dirty="0"/>
+              <a:t>API</a:t>
+            </a:r>
+          </a:p>
+        </p:txBody>
+      </p:sp>
+      <p:sp>
+        <p:nvSpPr>
+          <p:cNvPr id="14" name="Right Arrow 13">
+            <a:extLst>
+              <a:ext uri="{FF2B5EF4-FFF2-40B4-BE49-F238E27FC236}">
+                <a16:creationId xmlns:a16="http://schemas.microsoft.com/office/drawing/2014/main" id="{8C041124-8F06-C4D5-855E-5A3C13581FF0}"/>
+              </a:ext>
+            </a:extLst>
+          </p:cNvPr>
+          <p:cNvSpPr/>
+          <p:nvPr/>
+        </p:nvSpPr>
+        <p:spPr>
+          <a:xfrm rot="3329967" flipH="1">
+            <a:off x="7872908" y="4235948"/>
+            <a:ext cx="961697" cy="609600"/>
+          </a:xfrm>
+          <a:prstGeom prst="rightArrow">
+            <a:avLst/>
+          </a:prstGeom>
+        </p:spPr>
+        <p:style>
+          <a:lnRef idx="2">
+            <a:schemeClr val="accent1">
+              <a:shade val="50000"/>
+            </a:schemeClr>
+          </a:lnRef>
+          <a:fillRef idx="1">
+            <a:schemeClr val="accent1"/>
+          </a:fillRef>
+          <a:effectRef idx="0">
+            <a:schemeClr val="accent1"/>
+          </a:effectRef>
+          <a:fontRef idx="minor">
+            <a:schemeClr val="lt1"/>
+          </a:fontRef>
+        </p:style>
+        <p:txBody>
+          <a:bodyPr rtlCol="0" anchor="ctr"/>
+          <a:lstStyle/>
+          <a:p>
+            <a:pPr algn="ctr"/>
+            <a:r>
+              <a:rPr lang="en-US" dirty="0"/>
+              <a:t>API</a:t>
+            </a:r>
+          </a:p>
+        </p:txBody>
+      </p:sp>
+      <p:sp>
+        <p:nvSpPr>
+          <p:cNvPr id="15" name="Right Arrow 14">
+            <a:extLst>
+              <a:ext uri="{FF2B5EF4-FFF2-40B4-BE49-F238E27FC236}">
+                <a16:creationId xmlns:a16="http://schemas.microsoft.com/office/drawing/2014/main" id="{F5517F44-8290-CA3F-646E-940FC2FFD05B}"/>
+              </a:ext>
+            </a:extLst>
+          </p:cNvPr>
+          <p:cNvSpPr/>
+          <p:nvPr/>
+        </p:nvSpPr>
+        <p:spPr>
+          <a:xfrm rot="16200000" flipH="1">
+            <a:off x="537666" y="3177076"/>
+            <a:ext cx="3265435" cy="609600"/>
+          </a:xfrm>
+          <a:prstGeom prst="rightArrow">
+            <a:avLst/>
+          </a:prstGeom>
+        </p:spPr>
+        <p:style>
+          <a:lnRef idx="2">
+            <a:schemeClr val="accent1">
+              <a:shade val="50000"/>
+            </a:schemeClr>
+          </a:lnRef>
+          <a:fillRef idx="1">
+            <a:schemeClr val="accent1"/>
+          </a:fillRef>
+          <a:effectRef idx="0">
+            <a:schemeClr val="accent1"/>
+          </a:effectRef>
+          <a:fontRef idx="minor">
+            <a:schemeClr val="lt1"/>
+          </a:fontRef>
+        </p:style>
+        <p:txBody>
+          <a:bodyPr rtlCol="0" anchor="ctr"/>
+          <a:lstStyle/>
+          <a:p>
+            <a:pPr algn="ctr"/>
+            <a:r>
+              <a:rPr lang="en-US" dirty="0"/>
+              <a:t>API</a:t>
+            </a:r>
+          </a:p>
+        </p:txBody>
+      </p:sp>
+    </p:spTree>
+    <p:extLst>
+      <p:ext uri="{BB962C8B-B14F-4D97-AF65-F5344CB8AC3E}">
+        <p14:creationId xmlns:p14="http://schemas.microsoft.com/office/powerpoint/2010/main" val="154950261"/>
+      </p:ext>
+    </p:extLst>
+  </p:cSld>
+  <p:clrMapOvr>
+    <a:masterClrMapping/>
+  </p:clrMapOvr>
+</p:sld>
+</file>
+
+<file path=ppt/slides/slide5.xml><?xml version="1.0" encoding="utf-8"?>
+<p:sld xmlns:a="http://schemas.openxmlformats.org/drawingml/2006/main" xmlns:r="http://schemas.openxmlformats.org/officeDocument/2006/relationships" xmlns:p="http://schemas.openxmlformats.org/presentationml/2006/main">
+  <p:cSld>
+    <p:spTree>
+      <p:nvGrpSpPr>
+        <p:cNvPr id="1" name=""/>
+        <p:cNvGrpSpPr/>
+        <p:nvPr/>
+      </p:nvGrpSpPr>
+      <p:grpSpPr>
+        <a:xfrm>
+          <a:off x="0" y="0"/>
+          <a:ext cx="0" cy="0"/>
+          <a:chOff x="0" y="0"/>
+          <a:chExt cx="0" cy="0"/>
+        </a:xfrm>
+      </p:grpSpPr>
+      <p:sp>
+        <p:nvSpPr>
+          <p:cNvPr id="4" name="Rectangle 3">
+            <a:extLst>
+              <a:ext uri="{FF2B5EF4-FFF2-40B4-BE49-F238E27FC236}">
+                <a16:creationId xmlns:a16="http://schemas.microsoft.com/office/drawing/2014/main" id="{B1726D3E-29B1-3FB3-2BE4-24EA6DF0FABA}"/>
+              </a:ext>
+            </a:extLst>
+          </p:cNvPr>
+          <p:cNvSpPr/>
+          <p:nvPr/>
+        </p:nvSpPr>
+        <p:spPr>
+          <a:xfrm>
+            <a:off x="4361791" y="5381296"/>
+            <a:ext cx="3468414" cy="798786"/>
+          </a:xfrm>
+          <a:prstGeom prst="rect">
+            <a:avLst/>
+          </a:prstGeom>
+          <a:ln w="38100"/>
+        </p:spPr>
+        <p:style>
+          <a:lnRef idx="2">
+            <a:schemeClr val="accent1">
+              <a:shade val="50000"/>
+            </a:schemeClr>
+          </a:lnRef>
+          <a:fillRef idx="1">
+            <a:schemeClr val="accent1"/>
+          </a:fillRef>
+          <a:effectRef idx="0">
+            <a:schemeClr val="accent1"/>
+          </a:effectRef>
+          <a:fontRef idx="minor">
+            <a:schemeClr val="lt1"/>
+          </a:fontRef>
+        </p:style>
+        <p:txBody>
+          <a:bodyPr rtlCol="0" anchor="ctr"/>
+          <a:lstStyle/>
+          <a:p>
+            <a:pPr algn="ctr"/>
+            <a:r>
+              <a:rPr lang="en-US" sz="3200" dirty="0"/>
               <a:t>Events</a:t>
             </a:r>
           </a:p>
